--- a/SIM GAME.pptx
+++ b/SIM GAME.pptx
@@ -6497,69 +6497,12 @@
             </a:pPr>
             <a:r>
               <a:rPr lang="en-US" sz="2800" dirty="0"/>
-              <a:t>Initialization: divide probability equally among available lines</a:t>
-            </a:r>
-            <a:endParaRPr lang="en-US" sz="2400" dirty="0"/>
-          </a:p>
-          <a:p>
-            <a:pPr lvl="2">
-              <a:buFont typeface="Wingdings" panose="05000000000000000000" pitchFamily="2" charset="2"/>
-              <a:buChar char="§"/>
-            </a:pPr>
-            <a:r>
-              <a:rPr lang="en-US" sz="2400" dirty="0"/>
-              <a:t>After the player first move, there are 14 available lines left: P</a:t>
-            </a:r>
-            <a:r>
-              <a:rPr lang="en-US" sz="2400" baseline="-25000" dirty="0"/>
-              <a:t>1</a:t>
-            </a:r>
-            <a:r>
-              <a:rPr lang="en-US" sz="2400" dirty="0"/>
-              <a:t> = </a:t>
-            </a:r>
-            <a:r>
-              <a:rPr lang="en-US" sz="2400" b="1" dirty="0"/>
-              <a:t>1/14</a:t>
-            </a:r>
-          </a:p>
-          <a:p>
-            <a:pPr lvl="2">
-              <a:buFont typeface="Wingdings" panose="05000000000000000000" pitchFamily="2" charset="2"/>
-              <a:buChar char="§"/>
-            </a:pPr>
-            <a:r>
-              <a:rPr lang="en-US" sz="2400" dirty="0"/>
-              <a:t>After the player second move, there are 13 available lines left: P</a:t>
-            </a:r>
-            <a:r>
-              <a:rPr lang="en-US" sz="2400" baseline="-25000" dirty="0"/>
-              <a:t>2</a:t>
-            </a:r>
-            <a:r>
-              <a:rPr lang="en-US" sz="2400" dirty="0"/>
-              <a:t> = </a:t>
-            </a:r>
-            <a:r>
-              <a:rPr lang="en-US" sz="2400" b="1" dirty="0"/>
-              <a:t>1/13</a:t>
-            </a:r>
-          </a:p>
-          <a:p>
-            <a:pPr lvl="2">
-              <a:buFont typeface="Wingdings" panose="05000000000000000000" pitchFamily="2" charset="2"/>
-              <a:buChar char="§"/>
-            </a:pPr>
-            <a:r>
-              <a:rPr lang="en-US" sz="2400" dirty="0"/>
-              <a:t>… so on</a:t>
-            </a:r>
-          </a:p>
-          <a:p>
-            <a:pPr lvl="2">
-              <a:buFont typeface="Arial" panose="020B0604020202020204" pitchFamily="34" charset="0"/>
-              <a:buChar char="•"/>
-            </a:pPr>
+              <a:t>Initialization: divide probability equally among </a:t>
+            </a:r>
+            <a:r>
+              <a:rPr lang="en-US" sz="2800"/>
+              <a:t>available lines</a:t>
+            </a:r>
             <a:endParaRPr lang="en-US" sz="2800" dirty="0"/>
           </a:p>
           <a:p>
@@ -7135,9 +7078,12 @@
 </file>
 
 <file path=customXml/item1.xml><?xml version="1.0" encoding="utf-8"?>
-<p:properties xmlns:p="http://schemas.microsoft.com/office/2006/metadata/properties" xmlns:xsi="http://www.w3.org/2001/XMLSchema-instance" xmlns:pc="http://schemas.microsoft.com/office/infopath/2007/PartnerControls">
-  <documentManagement/>
-</p:properties>
+<?mso-contentType ?>
+<FormTemplates xmlns="http://schemas.microsoft.com/sharepoint/v3/contenttype/forms">
+  <Display>DocumentLibraryForm</Display>
+  <Edit>DocumentLibraryForm</Edit>
+  <New>DocumentLibraryForm</New>
+</FormTemplates>
 </file>
 
 <file path=customXml/item2.xml><?xml version="1.0" encoding="utf-8"?>
@@ -7358,19 +7304,15 @@
 </file>
 
 <file path=customXml/item3.xml><?xml version="1.0" encoding="utf-8"?>
-<?mso-contentType ?>
-<FormTemplates xmlns="http://schemas.microsoft.com/sharepoint/v3/contenttype/forms">
-  <Display>DocumentLibraryForm</Display>
-  <Edit>DocumentLibraryForm</Edit>
-  <New>DocumentLibraryForm</New>
-</FormTemplates>
+<p:properties xmlns:p="http://schemas.microsoft.com/office/2006/metadata/properties" xmlns:xsi="http://www.w3.org/2001/XMLSchema-instance" xmlns:pc="http://schemas.microsoft.com/office/infopath/2007/PartnerControls">
+  <documentManagement/>
+</p:properties>
 </file>
 
 <file path=customXml/itemProps1.xml><?xml version="1.0" encoding="utf-8"?>
-<ds:datastoreItem xmlns:ds="http://schemas.openxmlformats.org/officeDocument/2006/customXml" ds:itemID="{AF8ED2A9-2C4E-4FA7-8306-C9CE2AEF27BE}">
+<ds:datastoreItem xmlns:ds="http://schemas.openxmlformats.org/officeDocument/2006/customXml" ds:itemID="{D14F48EF-3D5D-4FE6-A92A-677EF26D9C20}">
   <ds:schemaRefs>
-    <ds:schemaRef ds:uri="http://schemas.microsoft.com/office/2006/metadata/properties"/>
-    <ds:schemaRef ds:uri="http://schemas.microsoft.com/office/infopath/2007/PartnerControls"/>
+    <ds:schemaRef ds:uri="http://schemas.microsoft.com/sharepoint/v3/contenttype/forms"/>
   </ds:schemaRefs>
 </ds:datastoreItem>
 </file>
@@ -7395,9 +7337,10 @@
 </file>
 
 <file path=customXml/itemProps3.xml><?xml version="1.0" encoding="utf-8"?>
-<ds:datastoreItem xmlns:ds="http://schemas.openxmlformats.org/officeDocument/2006/customXml" ds:itemID="{D14F48EF-3D5D-4FE6-A92A-677EF26D9C20}">
+<ds:datastoreItem xmlns:ds="http://schemas.openxmlformats.org/officeDocument/2006/customXml" ds:itemID="{AF8ED2A9-2C4E-4FA7-8306-C9CE2AEF27BE}">
   <ds:schemaRefs>
-    <ds:schemaRef ds:uri="http://schemas.microsoft.com/sharepoint/v3/contenttype/forms"/>
+    <ds:schemaRef ds:uri="http://schemas.microsoft.com/office/2006/metadata/properties"/>
+    <ds:schemaRef ds:uri="http://schemas.microsoft.com/office/infopath/2007/PartnerControls"/>
   </ds:schemaRefs>
 </ds:datastoreItem>
 </file>
--- a/SIM GAME.pptx
+++ b/SIM GAME.pptx
@@ -6638,7 +6638,7 @@
             </a:pPr>
             <a:r>
               <a:rPr lang="en-US" sz="3200" dirty="0"/>
-              <a:t>Reward:</a:t>
+              <a:t>Punish:</a:t>
             </a:r>
           </a:p>
           <a:p>
@@ -7078,12 +7078,9 @@
 </file>
 
 <file path=customXml/item1.xml><?xml version="1.0" encoding="utf-8"?>
-<?mso-contentType ?>
-<FormTemplates xmlns="http://schemas.microsoft.com/sharepoint/v3/contenttype/forms">
-  <Display>DocumentLibraryForm</Display>
-  <Edit>DocumentLibraryForm</Edit>
-  <New>DocumentLibraryForm</New>
-</FormTemplates>
+<p:properties xmlns:p="http://schemas.microsoft.com/office/2006/metadata/properties" xmlns:xsi="http://www.w3.org/2001/XMLSchema-instance" xmlns:pc="http://schemas.microsoft.com/office/infopath/2007/PartnerControls">
+  <documentManagement/>
+</p:properties>
 </file>
 
 <file path=customXml/item2.xml><?xml version="1.0" encoding="utf-8"?>
@@ -7304,15 +7301,19 @@
 </file>
 
 <file path=customXml/item3.xml><?xml version="1.0" encoding="utf-8"?>
-<p:properties xmlns:p="http://schemas.microsoft.com/office/2006/metadata/properties" xmlns:xsi="http://www.w3.org/2001/XMLSchema-instance" xmlns:pc="http://schemas.microsoft.com/office/infopath/2007/PartnerControls">
-  <documentManagement/>
-</p:properties>
+<?mso-contentType ?>
+<FormTemplates xmlns="http://schemas.microsoft.com/sharepoint/v3/contenttype/forms">
+  <Display>DocumentLibraryForm</Display>
+  <Edit>DocumentLibraryForm</Edit>
+  <New>DocumentLibraryForm</New>
+</FormTemplates>
 </file>
 
 <file path=customXml/itemProps1.xml><?xml version="1.0" encoding="utf-8"?>
-<ds:datastoreItem xmlns:ds="http://schemas.openxmlformats.org/officeDocument/2006/customXml" ds:itemID="{D14F48EF-3D5D-4FE6-A92A-677EF26D9C20}">
+<ds:datastoreItem xmlns:ds="http://schemas.openxmlformats.org/officeDocument/2006/customXml" ds:itemID="{AF8ED2A9-2C4E-4FA7-8306-C9CE2AEF27BE}">
   <ds:schemaRefs>
-    <ds:schemaRef ds:uri="http://schemas.microsoft.com/sharepoint/v3/contenttype/forms"/>
+    <ds:schemaRef ds:uri="http://schemas.microsoft.com/office/2006/metadata/properties"/>
+    <ds:schemaRef ds:uri="http://schemas.microsoft.com/office/infopath/2007/PartnerControls"/>
   </ds:schemaRefs>
 </ds:datastoreItem>
 </file>
@@ -7337,10 +7338,9 @@
 </file>
 
 <file path=customXml/itemProps3.xml><?xml version="1.0" encoding="utf-8"?>
-<ds:datastoreItem xmlns:ds="http://schemas.openxmlformats.org/officeDocument/2006/customXml" ds:itemID="{AF8ED2A9-2C4E-4FA7-8306-C9CE2AEF27BE}">
+<ds:datastoreItem xmlns:ds="http://schemas.openxmlformats.org/officeDocument/2006/customXml" ds:itemID="{D14F48EF-3D5D-4FE6-A92A-677EF26D9C20}">
   <ds:schemaRefs>
-    <ds:schemaRef ds:uri="http://schemas.microsoft.com/office/2006/metadata/properties"/>
-    <ds:schemaRef ds:uri="http://schemas.microsoft.com/office/infopath/2007/PartnerControls"/>
+    <ds:schemaRef ds:uri="http://schemas.microsoft.com/sharepoint/v3/contenttype/forms"/>
   </ds:schemaRefs>
 </ds:datastoreItem>
 </file>
--- a/SIM GAME.pptx
+++ b/SIM GAME.pptx
@@ -9988,8 +9988,8 @@
         </p:blipFill>
         <p:spPr>
           <a:xfrm>
-            <a:off x="1871241" y="2407534"/>
-            <a:ext cx="8449518" cy="3633434"/>
+            <a:off x="2456777" y="2422359"/>
+            <a:ext cx="5808933" cy="3399708"/>
           </a:xfrm>
           <a:prstGeom prst="rect">
             <a:avLst/>
@@ -10088,15 +10088,7 @@
             </a:pPr>
             <a:r>
               <a:rPr lang="en-US" altLang="en-US" sz="2800" dirty="0"/>
-              <a:t> To compute the </a:t>
-            </a:r>
-            <a:r>
-              <a:rPr lang="en-US" altLang="en-US" sz="2800" dirty="0" err="1"/>
-              <a:t>Backropagation</a:t>
-            </a:r>
-            <a:r>
-              <a:rPr lang="en-US" altLang="en-US" sz="2800" dirty="0"/>
-              <a:t> we use the following method</a:t>
+              <a:t> To compute the Backpropagation we use the following method</a:t>
             </a:r>
             <a:endParaRPr lang="en-US" altLang="en-US" sz="2400" dirty="0"/>
           </a:p>
@@ -10202,15 +10194,7 @@
             </a:pPr>
             <a:r>
               <a:rPr lang="en-US" altLang="en-US" sz="2800" dirty="0"/>
-              <a:t>Both method a hidden neuron and output neuron </a:t>
-            </a:r>
-            <a:r>
-              <a:rPr lang="en-US" altLang="en-US" sz="2800" dirty="0" err="1"/>
-              <a:t>classs</a:t>
-            </a:r>
-            <a:r>
-              <a:rPr lang="en-US" altLang="en-US" sz="2800" dirty="0"/>
-              <a:t> defined as follows</a:t>
+              <a:t>Both method a hidden neuron and output neuron class defined as follows</a:t>
             </a:r>
             <a:endParaRPr lang="en-US" altLang="en-US" sz="2400" dirty="0"/>
           </a:p>
@@ -10555,21 +10539,6 @@
 </file>
 
 <file path=customXml/item1.xml><?xml version="1.0" encoding="utf-8"?>
-<p:properties xmlns:p="http://schemas.microsoft.com/office/2006/metadata/properties" xmlns:xsi="http://www.w3.org/2001/XMLSchema-instance" xmlns:pc="http://schemas.microsoft.com/office/infopath/2007/PartnerControls">
-  <documentManagement/>
-</p:properties>
-</file>
-
-<file path=customXml/item2.xml><?xml version="1.0" encoding="utf-8"?>
-<?mso-contentType ?>
-<FormTemplates xmlns="http://schemas.microsoft.com/sharepoint/v3/contenttype/forms">
-  <Display>DocumentLibraryForm</Display>
-  <Edit>DocumentLibraryForm</Edit>
-  <New>DocumentLibraryForm</New>
-</FormTemplates>
-</file>
-
-<file path=customXml/item3.xml><?xml version="1.0" encoding="utf-8"?>
 <ct:contentTypeSchema xmlns:ct="http://schemas.microsoft.com/office/2006/metadata/contentType" xmlns:ma="http://schemas.microsoft.com/office/2006/metadata/properties/metaAttributes" ct:_="" ma:_="" ma:contentTypeName="Document" ma:contentTypeID="0x01010076CFAD9DC2DA5140A6E19643911BE4A8" ma:contentTypeVersion="12" ma:contentTypeDescription="Create a new document." ma:contentTypeScope="" ma:versionID="44654f145051d84e2f7ae6ebb1994cf4">
   <xsd:schema xmlns:xsd="http://www.w3.org/2001/XMLSchema" xmlns:xs="http://www.w3.org/2001/XMLSchema" xmlns:p="http://schemas.microsoft.com/office/2006/metadata/properties" xmlns:ns3="79a5909b-a234-41cf-bef0-48fb262c46ee" xmlns:ns4="0c843127-3815-4329-8f37-49c5ec4e8117" targetNamespace="http://schemas.microsoft.com/office/2006/metadata/properties" ma:root="true" ma:fieldsID="c5574d6c9227814967ea2062dceeb889" ns3:_="" ns4:_="">
     <xsd:import namespace="79a5909b-a234-41cf-bef0-48fb262c46ee"/>
@@ -10786,24 +10755,22 @@
 </ct:contentTypeSchema>
 </file>
 
-<file path=customXml/itemProps1.xml><?xml version="1.0" encoding="utf-8"?>
-<ds:datastoreItem xmlns:ds="http://schemas.openxmlformats.org/officeDocument/2006/customXml" ds:itemID="{AF8ED2A9-2C4E-4FA7-8306-C9CE2AEF27BE}">
-  <ds:schemaRefs>
-    <ds:schemaRef ds:uri="http://schemas.microsoft.com/office/2006/metadata/properties"/>
-    <ds:schemaRef ds:uri="http://schemas.microsoft.com/office/infopath/2007/PartnerControls"/>
-  </ds:schemaRefs>
-</ds:datastoreItem>
+<file path=customXml/item2.xml><?xml version="1.0" encoding="utf-8"?>
+<?mso-contentType ?>
+<FormTemplates xmlns="http://schemas.microsoft.com/sharepoint/v3/contenttype/forms">
+  <Display>DocumentLibraryForm</Display>
+  <Edit>DocumentLibraryForm</Edit>
+  <New>DocumentLibraryForm</New>
+</FormTemplates>
 </file>
 
-<file path=customXml/itemProps2.xml><?xml version="1.0" encoding="utf-8"?>
-<ds:datastoreItem xmlns:ds="http://schemas.openxmlformats.org/officeDocument/2006/customXml" ds:itemID="{D14F48EF-3D5D-4FE6-A92A-677EF26D9C20}">
-  <ds:schemaRefs>
-    <ds:schemaRef ds:uri="http://schemas.microsoft.com/sharepoint/v3/contenttype/forms"/>
-  </ds:schemaRefs>
-</ds:datastoreItem>
+<file path=customXml/item3.xml><?xml version="1.0" encoding="utf-8"?>
+<p:properties xmlns:p="http://schemas.microsoft.com/office/2006/metadata/properties" xmlns:xsi="http://www.w3.org/2001/XMLSchema-instance" xmlns:pc="http://schemas.microsoft.com/office/infopath/2007/PartnerControls">
+  <documentManagement/>
+</p:properties>
 </file>
 
-<file path=customXml/itemProps3.xml><?xml version="1.0" encoding="utf-8"?>
+<file path=customXml/itemProps1.xml><?xml version="1.0" encoding="utf-8"?>
 <ds:datastoreItem xmlns:ds="http://schemas.openxmlformats.org/officeDocument/2006/customXml" ds:itemID="{B9E540DA-C212-436A-B78A-60FB818045E7}">
   <ds:schemaRefs>
     <ds:schemaRef ds:uri="http://schemas.microsoft.com/office/2006/metadata/contentType"/>
@@ -10820,4 +10787,21 @@
     <ds:schemaRef ds:uri="http://schemas.microsoft.com/internal/obd"/>
   </ds:schemaRefs>
 </ds:datastoreItem>
+</file>
+
+<file path=customXml/itemProps2.xml><?xml version="1.0" encoding="utf-8"?>
+<ds:datastoreItem xmlns:ds="http://schemas.openxmlformats.org/officeDocument/2006/customXml" ds:itemID="{D14F48EF-3D5D-4FE6-A92A-677EF26D9C20}">
+  <ds:schemaRefs>
+    <ds:schemaRef ds:uri="http://schemas.microsoft.com/sharepoint/v3/contenttype/forms"/>
+  </ds:schemaRefs>
+</ds:datastoreItem>
+</file>
+
+<file path=customXml/itemProps3.xml><?xml version="1.0" encoding="utf-8"?>
+<ds:datastoreItem xmlns:ds="http://schemas.openxmlformats.org/officeDocument/2006/customXml" ds:itemID="{AF8ED2A9-2C4E-4FA7-8306-C9CE2AEF27BE}">
+  <ds:schemaRefs>
+    <ds:schemaRef ds:uri="http://schemas.microsoft.com/office/2006/metadata/properties"/>
+    <ds:schemaRef ds:uri="http://schemas.microsoft.com/office/infopath/2007/PartnerControls"/>
+  </ds:schemaRefs>
+</ds:datastoreItem>
 </file>